--- a/Slide.pptx
+++ b/Slide.pptx
@@ -4390,7 +4390,7 @@
         </p:nvCxnSpPr>
         <p:spPr bwMode="auto">
           <a:xfrm flipH="1" flipV="1">
-            <a:off x="2395833" y="2084028"/>
+            <a:off x="2395833" y="2084027"/>
             <a:ext cx="2166107" cy="0"/>
           </a:xfrm>
           <a:prstGeom prst="line">
@@ -5049,7 +5049,7 @@
           </p:nvCxnSpPr>
           <p:spPr bwMode="auto">
             <a:xfrm rot="0" flipH="0" flipV="0">
-              <a:off x="3905785" y="1320546"/>
+              <a:off x="3905785" y="1320545"/>
               <a:ext cx="1154370" cy="0"/>
             </a:xfrm>
             <a:prstGeom prst="line">
@@ -5131,7 +5131,7 @@
           </p:nvSpPr>
           <p:spPr bwMode="auto">
             <a:xfrm flipH="0" flipV="0">
-              <a:off x="250031" y="1008820"/>
+              <a:off x="250031" y="1008819"/>
               <a:ext cx="959339" cy="335639"/>
             </a:xfrm>
             <a:prstGeom prst="rect">
@@ -5565,7 +5565,7 @@
           <p:spPr bwMode="auto">
             <a:xfrm rot="0" flipH="0" flipV="0">
               <a:off x="4001035" y="1160009"/>
-              <a:ext cx="1026386" cy="0"/>
+              <a:ext cx="1026385" cy="0"/>
             </a:xfrm>
             <a:prstGeom prst="line">
               <a:avLst/>
@@ -5639,7 +5639,7 @@
           <p:spPr bwMode="auto">
             <a:xfrm flipH="0" flipV="0">
               <a:off x="250031" y="824369"/>
-              <a:ext cx="959699" cy="335639"/>
+              <a:ext cx="959698" cy="335639"/>
             </a:xfrm>
             <a:prstGeom prst="rect">
               <a:avLst/>
@@ -6029,7 +6029,7 @@
             <a:stretch/>
           </p:blipFill>
           <p:spPr bwMode="auto">
-            <a:xfrm rot="10799990" flipH="0" flipV="0">
+            <a:xfrm rot="10799989" flipH="0" flipV="0">
               <a:off x="1329077" y="3651870"/>
               <a:ext cx="440530" cy="431157"/>
             </a:xfrm>
@@ -6575,7 +6575,7 @@
           <p:spPr bwMode="auto">
             <a:xfrm flipH="0" flipV="0">
               <a:off x="2452398" y="1431706"/>
-              <a:ext cx="959699" cy="335639"/>
+              <a:ext cx="959698" cy="335639"/>
             </a:xfrm>
             <a:prstGeom prst="rect">
               <a:avLst/>
@@ -6651,7 +6651,7 @@
           <p:spPr bwMode="auto">
             <a:xfrm flipH="0" flipV="0">
               <a:off x="6243293" y="1431706"/>
-              <a:ext cx="959699" cy="335639"/>
+              <a:ext cx="959698" cy="335639"/>
             </a:xfrm>
             <a:prstGeom prst="rect">
               <a:avLst/>
@@ -6827,7 +6827,7 @@
             <p:nvPr/>
           </p:nvCxnSpPr>
           <p:spPr bwMode="auto">
-            <a:xfrm rot="10799990" flipH="0" flipV="0">
+            <a:xfrm rot="10799989" flipH="0" flipV="0">
               <a:off x="1773743" y="455747"/>
               <a:ext cx="2703048" cy="23275"/>
             </a:xfrm>
@@ -7226,7 +7226,7 @@
           </p:nvSpPr>
           <p:spPr bwMode="auto">
             <a:xfrm flipH="0" flipV="0">
-              <a:off x="3998561" y="1561158"/>
+              <a:off x="3998560" y="1561158"/>
               <a:ext cx="2337133" cy="851551"/>
             </a:xfrm>
             <a:prstGeom prst="flowChartAlternateProcess">
@@ -7397,8 +7397,8 @@
           </p:nvSpPr>
           <p:spPr bwMode="auto">
             <a:xfrm flipH="0" flipV="0">
-              <a:off x="2411294" y="1506376"/>
-              <a:ext cx="959699" cy="335639"/>
+              <a:off x="2411293" y="1506376"/>
+              <a:ext cx="959698" cy="335639"/>
             </a:xfrm>
             <a:prstGeom prst="rect">
               <a:avLst/>
@@ -7494,7 +7494,7 @@
           <p:spPr bwMode="auto">
             <a:xfrm flipH="0" flipV="0">
               <a:off x="6339866" y="1472859"/>
-              <a:ext cx="959699" cy="335639"/>
+              <a:ext cx="959698" cy="335639"/>
             </a:xfrm>
             <a:prstGeom prst="rect">
               <a:avLst/>
@@ -7583,7 +7583,7 @@
             <p:nvPr/>
           </p:nvCxnSpPr>
           <p:spPr bwMode="auto">
-            <a:xfrm rot="10799990" flipH="0" flipV="0">
+            <a:xfrm rot="10799989" flipH="0" flipV="0">
               <a:off x="1858409" y="432084"/>
               <a:ext cx="2662398" cy="26305"/>
             </a:xfrm>
@@ -7858,7 +7858,7 @@
         <p:spPr bwMode="auto">
           <a:xfrm flipH="0" flipV="0">
             <a:off x="3598454" y="3060249"/>
-            <a:ext cx="977699" cy="335639"/>
+            <a:ext cx="977698" cy="335639"/>
           </a:xfrm>
           <a:prstGeom prst="rect">
             <a:avLst/>
@@ -7995,7 +7995,7 @@
         <p:spPr bwMode="auto">
           <a:xfrm flipH="0" flipV="0">
             <a:off x="5738812" y="1488281"/>
-            <a:ext cx="453656" cy="478688"/>
+            <a:ext cx="453655" cy="478688"/>
           </a:xfrm>
           <a:prstGeom prst="ellipse">
             <a:avLst/>
@@ -8144,7 +8144,7 @@
         <p:spPr bwMode="auto">
           <a:xfrm flipH="0" flipV="0">
             <a:off x="5738812" y="4928680"/>
-            <a:ext cx="453656" cy="416718"/>
+            <a:ext cx="453655" cy="416718"/>
           </a:xfrm>
           <a:prstGeom prst="ellipse">
             <a:avLst/>
@@ -8179,7 +8179,7 @@
         <p:spPr bwMode="auto">
           <a:xfrm flipH="0" flipV="0">
             <a:off x="5738812" y="4126414"/>
-            <a:ext cx="453656" cy="481303"/>
+            <a:ext cx="453655" cy="481303"/>
           </a:xfrm>
           <a:prstGeom prst="ellipse">
             <a:avLst/>
@@ -8259,7 +8259,7 @@
           <p:nvPr/>
         </p:nvCxnSpPr>
         <p:spPr bwMode="auto">
-          <a:xfrm rot="10799990" flipH="0" flipV="0">
+          <a:xfrm rot="10799989" flipH="0" flipV="0">
             <a:off x="5323312" y="2179621"/>
             <a:ext cx="418312" cy="279018"/>
           </a:xfrm>
@@ -8344,7 +8344,7 @@
           <p:nvPr/>
         </p:nvCxnSpPr>
         <p:spPr bwMode="auto">
-          <a:xfrm rot="10799990" flipH="0" flipV="0">
+          <a:xfrm rot="10799989" flipH="0" flipV="0">
             <a:off x="5322773" y="3396609"/>
             <a:ext cx="418054" cy="306234"/>
           </a:xfrm>
@@ -8387,7 +8387,7 @@
           <p:nvPr/>
         </p:nvCxnSpPr>
         <p:spPr bwMode="auto">
-          <a:xfrm rot="10799990" flipH="0" flipV="1">
+          <a:xfrm rot="10799989" flipH="0" flipV="1">
             <a:off x="5322773" y="4367066"/>
             <a:ext cx="416039" cy="400167"/>
           </a:xfrm>
@@ -8471,7 +8471,7 @@
         <p:spPr bwMode="auto">
           <a:xfrm flipH="0" flipV="0">
             <a:off x="7063267" y="2326081"/>
-            <a:ext cx="415076" cy="471263"/>
+            <a:ext cx="415076" cy="471262"/>
           </a:xfrm>
           <a:prstGeom prst="ellipse">
             <a:avLst/>
@@ -8781,7 +8781,7 @@
           <p:nvPr/>
         </p:nvCxnSpPr>
         <p:spPr bwMode="auto">
-          <a:xfrm rot="5399978" flipH="1" flipV="1">
+          <a:xfrm rot="5399977" flipH="1" flipV="1">
             <a:off x="6054909" y="4287969"/>
             <a:ext cx="1067524" cy="925279"/>
           </a:xfrm>
@@ -9431,8 +9431,8 @@
         </p:nvSpPr>
         <p:spPr bwMode="auto">
           <a:xfrm flipH="0" flipV="0">
-            <a:off x="7097882" y="2359872"/>
-            <a:ext cx="345846" cy="365759"/>
+            <a:off x="7097881" y="2359872"/>
+            <a:ext cx="345845" cy="365759"/>
           </a:xfrm>
           <a:prstGeom prst="rect">
             <a:avLst/>
@@ -9464,7 +9464,7 @@
         <p:spPr bwMode="auto">
           <a:xfrm flipH="0" flipV="0">
             <a:off x="7091904" y="4033967"/>
-            <a:ext cx="345846" cy="365759"/>
+            <a:ext cx="345845" cy="365759"/>
           </a:xfrm>
           <a:prstGeom prst="rect">
             <a:avLst/>
@@ -9496,7 +9496,7 @@
         <p:spPr bwMode="auto">
           <a:xfrm flipH="0" flipV="0">
             <a:off x="9074621" y="3228069"/>
-            <a:ext cx="345846" cy="365759"/>
+            <a:ext cx="345845" cy="365759"/>
           </a:xfrm>
           <a:prstGeom prst="rect">
             <a:avLst/>
@@ -9578,7 +9578,7 @@
         <p:spPr bwMode="auto">
           <a:xfrm flipH="0" flipV="0">
             <a:off x="5787749" y="2319131"/>
-            <a:ext cx="308250" cy="250226"/>
+            <a:ext cx="308250" cy="250225"/>
           </a:xfrm>
           <a:prstGeom prst="rect">
             <a:avLst/>
@@ -9599,8 +9599,8 @@
         </p:blipFill>
         <p:spPr bwMode="auto">
           <a:xfrm flipH="0" flipV="0">
-            <a:off x="8028093" y="2416773"/>
-            <a:ext cx="308250" cy="250226"/>
+            <a:off x="8028092" y="2416773"/>
+            <a:ext cx="308250" cy="250225"/>
           </a:xfrm>
           <a:prstGeom prst="rect">
             <a:avLst/>
@@ -9620,9 +9620,9 @@
           <a:stretch/>
         </p:blipFill>
         <p:spPr bwMode="auto">
-          <a:xfrm rot="10799990" flipH="0" flipV="0">
+          <a:xfrm rot="10799989" flipH="0" flipV="0">
             <a:off x="5787749" y="3646764"/>
-            <a:ext cx="308250" cy="250226"/>
+            <a:ext cx="308250" cy="250225"/>
           </a:xfrm>
           <a:prstGeom prst="rect">
             <a:avLst/>
@@ -9644,7 +9644,7 @@
         <p:spPr bwMode="auto">
           <a:xfrm flipH="0" flipV="0">
             <a:off x="5812921" y="5011926"/>
-            <a:ext cx="308250" cy="250226"/>
+            <a:ext cx="308250" cy="250225"/>
           </a:xfrm>
           <a:prstGeom prst="rect">
             <a:avLst/>
@@ -9686,7 +9686,7 @@
           <a:stretch/>
         </p:blipFill>
         <p:spPr bwMode="auto">
-          <a:xfrm rot="10799990" flipH="0" flipV="0">
+          <a:xfrm rot="10799989" flipH="0" flipV="0">
             <a:off x="5787749" y="4216847"/>
             <a:ext cx="325068" cy="286825"/>
           </a:xfrm>
@@ -9695,6 +9695,50 @@
           </a:prstGeom>
         </p:spPr>
       </p:pic>
+      <p:sp>
+        <p:nvSpPr>
+          <p:cNvPr id="236803329" name=""/>
+          <p:cNvSpPr txBox="1"/>
+          <p:nvPr/>
+        </p:nvSpPr>
+        <p:spPr bwMode="auto">
+          <a:xfrm flipH="0" flipV="0">
+            <a:off x="504062" y="5161523"/>
+            <a:ext cx="3674198" cy="579479"/>
+          </a:xfrm>
+          <a:prstGeom prst="rect">
+            <a:avLst/>
+          </a:prstGeom>
+          <a:noFill/>
+        </p:spPr>
+        <p:txBody>
+          <a:bodyPr vertOverflow="overflow" horzOverflow="overflow" vert="horz" wrap="square" lIns="91440" tIns="45720" rIns="91440" bIns="45720" numCol="1" spcCol="0" rtlCol="0" fromWordArt="0" anchor="t" anchorCtr="0" forceAA="0" upright="0" compatLnSpc="0">
+            <a:spAutoFit/>
+          </a:bodyPr>
+          <a:p>
+            <a:pPr algn="ctr">
+              <a:defRPr/>
+            </a:pPr>
+            <a:r>
+              <a:rPr sz="1600" b="1"/>
+              <a:t>Applying</a:t>
+            </a:r>
+            <a:r>
+              <a:rPr lang="vi-VN" sz="1600" b="1"/>
+              <a:t> </a:t>
+            </a:r>
+            <a:r>
+              <a:rPr sz="1600" b="1"/>
+              <a:t>Task Incremental</a:t>
+            </a:r>
+            <a:r>
+              <a:rPr lang="vi-VN" sz="1600" b="1"/>
+              <a:t> Learning</a:t>
+            </a:r>
+            <a:endParaRPr sz="1600" b="1"/>
+          </a:p>
+        </p:txBody>
+      </p:sp>
     </p:spTree>
   </p:cSld>
   <p:clrMapOvr>
@@ -9884,7 +9928,7 @@
           <p:spPr bwMode="auto">
             <a:xfrm flipH="0" flipV="0">
               <a:off x="0" y="0"/>
-              <a:ext cx="2488405" cy="3262312"/>
+              <a:ext cx="2488404" cy="3262312"/>
             </a:xfrm>
             <a:prstGeom prst="rect">
               <a:avLst/>
@@ -9991,7 +10035,7 @@
           </p:nvCxnSpPr>
           <p:spPr bwMode="auto">
             <a:xfrm rot="0" flipH="0" flipV="0">
-              <a:off x="2488405" y="1631156"/>
+              <a:off x="2488404" y="1631156"/>
               <a:ext cx="1190109" cy="0"/>
             </a:xfrm>
             <a:prstGeom prst="line">
@@ -10259,7 +10303,7 @@
           </p:nvSpPr>
           <p:spPr bwMode="auto">
             <a:xfrm flipH="0" flipV="0">
-              <a:off x="2488405" y="1254558"/>
+              <a:off x="2488404" y="1254558"/>
               <a:ext cx="1141018" cy="335639"/>
             </a:xfrm>
             <a:prstGeom prst="rect">
@@ -10288,6 +10332,38 @@
           </p:txBody>
         </p:sp>
       </p:grpSp>
+      <p:sp>
+        <p:nvSpPr>
+          <p:cNvPr id="2040633333" name=""/>
+          <p:cNvSpPr txBox="1"/>
+          <p:nvPr/>
+        </p:nvSpPr>
+        <p:spPr bwMode="auto">
+          <a:xfrm flipH="0" flipV="0">
+            <a:off x="2991145" y="754062"/>
+            <a:ext cx="5561471" cy="640440"/>
+          </a:xfrm>
+          <a:prstGeom prst="rect">
+            <a:avLst/>
+          </a:prstGeom>
+          <a:noFill/>
+        </p:spPr>
+        <p:txBody>
+          <a:bodyPr vertOverflow="overflow" horzOverflow="overflow" vert="horz" wrap="square" lIns="91440" tIns="45720" rIns="91440" bIns="45720" numCol="1" spcCol="0" rtlCol="0" fromWordArt="0" anchor="t" anchorCtr="0" forceAA="0" upright="0" compatLnSpc="0">
+            <a:spAutoFit/>
+          </a:bodyPr>
+          <a:p>
+            <a:pPr algn="ctr">
+              <a:defRPr/>
+            </a:pPr>
+            <a:r>
+              <a:rPr lang="vi-VN" sz="3600" b="1"/>
+              <a:t>Inference Phase</a:t>
+            </a:r>
+            <a:endParaRPr sz="3600" b="1"/>
+          </a:p>
+        </p:txBody>
+      </p:sp>
     </p:spTree>
   </p:cSld>
   <p:clrMapOvr>
